--- a/other/專題.pptx
+++ b/other/專題.pptx
@@ -5,7 +5,7 @@
     <p:sldMasterId id="2147483648" r:id="rId1"/>
   </p:sldMasterIdLst>
   <p:notesMasterIdLst>
-    <p:notesMasterId r:id="rId12"/>
+    <p:notesMasterId r:id="rId14"/>
   </p:notesMasterIdLst>
   <p:sldIdLst>
     <p:sldId id="256" r:id="rId2"/>
@@ -13,11 +13,13 @@
     <p:sldId id="261" r:id="rId4"/>
     <p:sldId id="262" r:id="rId5"/>
     <p:sldId id="268" r:id="rId6"/>
-    <p:sldId id="263" r:id="rId7"/>
-    <p:sldId id="264" r:id="rId8"/>
-    <p:sldId id="265" r:id="rId9"/>
-    <p:sldId id="266" r:id="rId10"/>
-    <p:sldId id="267" r:id="rId11"/>
+    <p:sldId id="269" r:id="rId7"/>
+    <p:sldId id="270" r:id="rId8"/>
+    <p:sldId id="263" r:id="rId9"/>
+    <p:sldId id="264" r:id="rId10"/>
+    <p:sldId id="265" r:id="rId11"/>
+    <p:sldId id="266" r:id="rId12"/>
+    <p:sldId id="267" r:id="rId13"/>
   </p:sldIdLst>
   <p:sldSz cx="12192000" cy="6858000"/>
   <p:notesSz cx="6858000" cy="9144000"/>
@@ -126,6 +128,8 @@
             <p14:sldId id="261"/>
             <p14:sldId id="262"/>
             <p14:sldId id="268"/>
+            <p14:sldId id="269"/>
+            <p14:sldId id="270"/>
           </p14:sldIdLst>
         </p14:section>
         <p14:section name="教練功能" id="{F85DC18C-C9DF-498F-BC62-4995458B336D}">
@@ -232,7 +236,7 @@
           <a:p>
             <a:fld id="{4F1AED75-714C-4D3D-BEC4-DC526DFB0DBA}" type="datetimeFigureOut">
               <a:rPr lang="zh-TW" altLang="en-US" smtClean="0"/>
-              <a:t>2024/10/25</a:t>
+              <a:t>2024/11/12</a:t>
             </a:fld>
             <a:endParaRPr lang="zh-TW" altLang="en-US"/>
           </a:p>
@@ -866,7 +870,7 @@
           <a:p>
             <a:fld id="{F44A2D49-3011-4869-9FF8-DF32A7D4878A}" type="datetimeFigureOut">
               <a:rPr lang="zh-TW" altLang="en-US" smtClean="0"/>
-              <a:t>2024/10/25</a:t>
+              <a:t>2024/11/12</a:t>
             </a:fld>
             <a:endParaRPr lang="zh-TW" altLang="en-US"/>
           </a:p>
@@ -1064,7 +1068,7 @@
           <a:p>
             <a:fld id="{F44A2D49-3011-4869-9FF8-DF32A7D4878A}" type="datetimeFigureOut">
               <a:rPr lang="zh-TW" altLang="en-US" smtClean="0"/>
-              <a:t>2024/10/25</a:t>
+              <a:t>2024/11/12</a:t>
             </a:fld>
             <a:endParaRPr lang="zh-TW" altLang="en-US"/>
           </a:p>
@@ -1272,7 +1276,7 @@
           <a:p>
             <a:fld id="{F44A2D49-3011-4869-9FF8-DF32A7D4878A}" type="datetimeFigureOut">
               <a:rPr lang="zh-TW" altLang="en-US" smtClean="0"/>
-              <a:t>2024/10/25</a:t>
+              <a:t>2024/11/12</a:t>
             </a:fld>
             <a:endParaRPr lang="zh-TW" altLang="en-US"/>
           </a:p>
@@ -1470,7 +1474,7 @@
           <a:p>
             <a:fld id="{F44A2D49-3011-4869-9FF8-DF32A7D4878A}" type="datetimeFigureOut">
               <a:rPr lang="zh-TW" altLang="en-US" smtClean="0"/>
-              <a:t>2024/10/25</a:t>
+              <a:t>2024/11/12</a:t>
             </a:fld>
             <a:endParaRPr lang="zh-TW" altLang="en-US"/>
           </a:p>
@@ -1745,7 +1749,7 @@
           <a:p>
             <a:fld id="{F44A2D49-3011-4869-9FF8-DF32A7D4878A}" type="datetimeFigureOut">
               <a:rPr lang="zh-TW" altLang="en-US" smtClean="0"/>
-              <a:t>2024/10/25</a:t>
+              <a:t>2024/11/12</a:t>
             </a:fld>
             <a:endParaRPr lang="zh-TW" altLang="en-US"/>
           </a:p>
@@ -2010,7 +2014,7 @@
           <a:p>
             <a:fld id="{F44A2D49-3011-4869-9FF8-DF32A7D4878A}" type="datetimeFigureOut">
               <a:rPr lang="zh-TW" altLang="en-US" smtClean="0"/>
-              <a:t>2024/10/25</a:t>
+              <a:t>2024/11/12</a:t>
             </a:fld>
             <a:endParaRPr lang="zh-TW" altLang="en-US"/>
           </a:p>
@@ -2422,7 +2426,7 @@
           <a:p>
             <a:fld id="{F44A2D49-3011-4869-9FF8-DF32A7D4878A}" type="datetimeFigureOut">
               <a:rPr lang="zh-TW" altLang="en-US" smtClean="0"/>
-              <a:t>2024/10/25</a:t>
+              <a:t>2024/11/12</a:t>
             </a:fld>
             <a:endParaRPr lang="zh-TW" altLang="en-US"/>
           </a:p>
@@ -2563,7 +2567,7 @@
           <a:p>
             <a:fld id="{F44A2D49-3011-4869-9FF8-DF32A7D4878A}" type="datetimeFigureOut">
               <a:rPr lang="zh-TW" altLang="en-US" smtClean="0"/>
-              <a:t>2024/10/25</a:t>
+              <a:t>2024/11/12</a:t>
             </a:fld>
             <a:endParaRPr lang="zh-TW" altLang="en-US"/>
           </a:p>
@@ -2676,7 +2680,7 @@
           <a:p>
             <a:fld id="{F44A2D49-3011-4869-9FF8-DF32A7D4878A}" type="datetimeFigureOut">
               <a:rPr lang="zh-TW" altLang="en-US" smtClean="0"/>
-              <a:t>2024/10/25</a:t>
+              <a:t>2024/11/12</a:t>
             </a:fld>
             <a:endParaRPr lang="zh-TW" altLang="en-US"/>
           </a:p>
@@ -2987,7 +2991,7 @@
           <a:p>
             <a:fld id="{F44A2D49-3011-4869-9FF8-DF32A7D4878A}" type="datetimeFigureOut">
               <a:rPr lang="zh-TW" altLang="en-US" smtClean="0"/>
-              <a:t>2024/10/25</a:t>
+              <a:t>2024/11/12</a:t>
             </a:fld>
             <a:endParaRPr lang="zh-TW" altLang="en-US"/>
           </a:p>
@@ -3275,7 +3279,7 @@
           <a:p>
             <a:fld id="{F44A2D49-3011-4869-9FF8-DF32A7D4878A}" type="datetimeFigureOut">
               <a:rPr lang="zh-TW" altLang="en-US" smtClean="0"/>
-              <a:t>2024/10/25</a:t>
+              <a:t>2024/11/12</a:t>
             </a:fld>
             <a:endParaRPr lang="zh-TW" altLang="en-US"/>
           </a:p>
@@ -3516,7 +3520,7 @@
           <a:p>
             <a:fld id="{F44A2D49-3011-4869-9FF8-DF32A7D4878A}" type="datetimeFigureOut">
               <a:rPr lang="zh-TW" altLang="en-US" smtClean="0"/>
-              <a:t>2024/10/25</a:t>
+              <a:t>2024/11/12</a:t>
             </a:fld>
             <a:endParaRPr lang="zh-TW" altLang="en-US"/>
           </a:p>
@@ -4018,6 +4022,200 @@
           <p:cNvPr id="4" name="圖片 3">
             <a:extLst>
               <a:ext uri="{FF2B5EF4-FFF2-40B4-BE49-F238E27FC236}">
+                <a16:creationId xmlns:a16="http://schemas.microsoft.com/office/drawing/2014/main" id="{A7952EEB-8B13-4E30-96BB-C914991F0617}"/>
+              </a:ext>
+            </a:extLst>
+          </p:cNvPr>
+          <p:cNvPicPr>
+            <a:picLocks noChangeAspect="1"/>
+          </p:cNvPicPr>
+          <p:nvPr/>
+        </p:nvPicPr>
+        <p:blipFill>
+          <a:blip r:embed="rId2"/>
+          <a:stretch>
+            <a:fillRect/>
+          </a:stretch>
+        </p:blipFill>
+        <p:spPr>
+          <a:xfrm>
+            <a:off x="2509934" y="1488109"/>
+            <a:ext cx="9682065" cy="5240235"/>
+          </a:xfrm>
+          <a:prstGeom prst="rect">
+            <a:avLst/>
+          </a:prstGeom>
+        </p:spPr>
+      </p:pic>
+      <p:sp>
+        <p:nvSpPr>
+          <p:cNvPr id="5" name="標題 4">
+            <a:extLst>
+              <a:ext uri="{FF2B5EF4-FFF2-40B4-BE49-F238E27FC236}">
+                <a16:creationId xmlns:a16="http://schemas.microsoft.com/office/drawing/2014/main" id="{FD20C397-33DF-4785-A577-F4B8462E9C5E}"/>
+              </a:ext>
+            </a:extLst>
+          </p:cNvPr>
+          <p:cNvSpPr>
+            <a:spLocks noGrp="1"/>
+          </p:cNvSpPr>
+          <p:nvPr>
+            <p:ph type="title"/>
+          </p:nvPr>
+        </p:nvSpPr>
+        <p:spPr>
+          <a:xfrm>
+            <a:off x="838200" y="365125"/>
+            <a:ext cx="10515600" cy="1325563"/>
+          </a:xfrm>
+        </p:spPr>
+        <p:txBody>
+          <a:bodyPr/>
+          <a:lstStyle/>
+          <a:p>
+            <a:r>
+              <a:rPr lang="zh-TW" altLang="en-US" dirty="0"/>
+              <a:t>會員查看</a:t>
+            </a:r>
+          </a:p>
+        </p:txBody>
+      </p:sp>
+    </p:spTree>
+    <p:extLst>
+      <p:ext uri="{BB962C8B-B14F-4D97-AF65-F5344CB8AC3E}">
+        <p14:creationId xmlns:p14="http://schemas.microsoft.com/office/powerpoint/2010/main" val="2390699785"/>
+      </p:ext>
+    </p:extLst>
+  </p:cSld>
+  <p:clrMapOvr>
+    <a:masterClrMapping/>
+  </p:clrMapOvr>
+</p:sld>
+</file>
+
+<file path=ppt/slides/slide11.xml><?xml version="1.0" encoding="utf-8"?>
+<p:sld xmlns:a="http://schemas.openxmlformats.org/drawingml/2006/main" xmlns:r="http://schemas.openxmlformats.org/officeDocument/2006/relationships" xmlns:p="http://schemas.openxmlformats.org/presentationml/2006/main">
+  <p:cSld>
+    <p:spTree>
+      <p:nvGrpSpPr>
+        <p:cNvPr id="1" name=""/>
+        <p:cNvGrpSpPr/>
+        <p:nvPr/>
+      </p:nvGrpSpPr>
+      <p:grpSpPr>
+        <a:xfrm>
+          <a:off x="0" y="0"/>
+          <a:ext cx="0" cy="0"/>
+          <a:chOff x="0" y="0"/>
+          <a:chExt cx="0" cy="0"/>
+        </a:xfrm>
+      </p:grpSpPr>
+      <p:pic>
+        <p:nvPicPr>
+          <p:cNvPr id="4" name="圖片 3">
+            <a:extLst>
+              <a:ext uri="{FF2B5EF4-FFF2-40B4-BE49-F238E27FC236}">
+                <a16:creationId xmlns:a16="http://schemas.microsoft.com/office/drawing/2014/main" id="{58F86EA4-4568-4176-9C62-D4CD2BCFA0FC}"/>
+              </a:ext>
+            </a:extLst>
+          </p:cNvPr>
+          <p:cNvPicPr>
+            <a:picLocks noChangeAspect="1"/>
+          </p:cNvPicPr>
+          <p:nvPr/>
+        </p:nvPicPr>
+        <p:blipFill>
+          <a:blip r:embed="rId2"/>
+          <a:stretch>
+            <a:fillRect/>
+          </a:stretch>
+        </p:blipFill>
+        <p:spPr>
+          <a:xfrm>
+            <a:off x="2705878" y="1596448"/>
+            <a:ext cx="9486122" cy="5127782"/>
+          </a:xfrm>
+          <a:prstGeom prst="rect">
+            <a:avLst/>
+          </a:prstGeom>
+        </p:spPr>
+      </p:pic>
+      <p:sp>
+        <p:nvSpPr>
+          <p:cNvPr id="5" name="標題 4">
+            <a:extLst>
+              <a:ext uri="{FF2B5EF4-FFF2-40B4-BE49-F238E27FC236}">
+                <a16:creationId xmlns:a16="http://schemas.microsoft.com/office/drawing/2014/main" id="{E651B181-72A7-4D40-BA0D-0767AD15E405}"/>
+              </a:ext>
+            </a:extLst>
+          </p:cNvPr>
+          <p:cNvSpPr>
+            <a:spLocks noGrp="1"/>
+          </p:cNvSpPr>
+          <p:nvPr>
+            <p:ph type="title"/>
+          </p:nvPr>
+        </p:nvSpPr>
+        <p:spPr>
+          <a:xfrm>
+            <a:off x="838200" y="365125"/>
+            <a:ext cx="10515600" cy="1325563"/>
+          </a:xfrm>
+        </p:spPr>
+        <p:txBody>
+          <a:bodyPr/>
+          <a:lstStyle/>
+          <a:p>
+            <a:r>
+              <a:rPr lang="zh-TW" altLang="en-US" dirty="0"/>
+              <a:t>會員查看 </a:t>
+            </a:r>
+            <a:r>
+              <a:rPr lang="en-US" altLang="zh-TW" dirty="0"/>
+              <a:t>– </a:t>
+            </a:r>
+            <a:r>
+              <a:rPr lang="zh-TW" altLang="en-US" dirty="0"/>
+              <a:t>根據課程</a:t>
+            </a:r>
+          </a:p>
+        </p:txBody>
+      </p:sp>
+    </p:spTree>
+    <p:extLst>
+      <p:ext uri="{BB962C8B-B14F-4D97-AF65-F5344CB8AC3E}">
+        <p14:creationId xmlns:p14="http://schemas.microsoft.com/office/powerpoint/2010/main" val="452028996"/>
+      </p:ext>
+    </p:extLst>
+  </p:cSld>
+  <p:clrMapOvr>
+    <a:masterClrMapping/>
+  </p:clrMapOvr>
+</p:sld>
+</file>
+
+<file path=ppt/slides/slide12.xml><?xml version="1.0" encoding="utf-8"?>
+<p:sld xmlns:a="http://schemas.openxmlformats.org/drawingml/2006/main" xmlns:r="http://schemas.openxmlformats.org/officeDocument/2006/relationships" xmlns:p="http://schemas.openxmlformats.org/presentationml/2006/main">
+  <p:cSld>
+    <p:spTree>
+      <p:nvGrpSpPr>
+        <p:cNvPr id="1" name=""/>
+        <p:cNvGrpSpPr/>
+        <p:nvPr/>
+      </p:nvGrpSpPr>
+      <p:grpSpPr>
+        <a:xfrm>
+          <a:off x="0" y="0"/>
+          <a:ext cx="0" cy="0"/>
+          <a:chOff x="0" y="0"/>
+          <a:chExt cx="0" cy="0"/>
+        </a:xfrm>
+      </p:grpSpPr>
+      <p:pic>
+        <p:nvPicPr>
+          <p:cNvPr id="4" name="圖片 3">
+            <a:extLst>
+              <a:ext uri="{FF2B5EF4-FFF2-40B4-BE49-F238E27FC236}">
                 <a16:creationId xmlns:a16="http://schemas.microsoft.com/office/drawing/2014/main" id="{FCACBA41-ED22-4326-9C2D-A0EF83629F8A}"/>
               </a:ext>
             </a:extLst>
@@ -11333,6 +11531,634 @@
           <a:chExt cx="0" cy="0"/>
         </a:xfrm>
       </p:grpSpPr>
+      <p:sp>
+        <p:nvSpPr>
+          <p:cNvPr id="2" name="標題 1">
+            <a:extLst>
+              <a:ext uri="{FF2B5EF4-FFF2-40B4-BE49-F238E27FC236}">
+                <a16:creationId xmlns:a16="http://schemas.microsoft.com/office/drawing/2014/main" id="{A0206905-F15F-4206-82A2-4D4C23A31A24}"/>
+              </a:ext>
+            </a:extLst>
+          </p:cNvPr>
+          <p:cNvSpPr>
+            <a:spLocks noGrp="1"/>
+          </p:cNvSpPr>
+          <p:nvPr>
+            <p:ph type="title"/>
+          </p:nvPr>
+        </p:nvSpPr>
+        <p:spPr/>
+        <p:txBody>
+          <a:bodyPr/>
+          <a:lstStyle/>
+          <a:p>
+            <a:r>
+              <a:rPr lang="zh-TW" altLang="en-US" dirty="0"/>
+              <a:t>主要搜尋頁面資訊</a:t>
+            </a:r>
+          </a:p>
+        </p:txBody>
+      </p:sp>
+      <p:pic>
+        <p:nvPicPr>
+          <p:cNvPr id="4" name="內容版面配置區 3">
+            <a:extLst>
+              <a:ext uri="{FF2B5EF4-FFF2-40B4-BE49-F238E27FC236}">
+                <a16:creationId xmlns:a16="http://schemas.microsoft.com/office/drawing/2014/main" id="{30AE3310-D37B-4702-BAD1-FB10172C014C}"/>
+              </a:ext>
+            </a:extLst>
+          </p:cNvPr>
+          <p:cNvPicPr>
+            <a:picLocks noGrp="1" noChangeAspect="1"/>
+          </p:cNvPicPr>
+          <p:nvPr>
+            <p:ph idx="1"/>
+          </p:nvPr>
+        </p:nvPicPr>
+        <p:blipFill>
+          <a:blip r:embed="rId2"/>
+          <a:stretch>
+            <a:fillRect/>
+          </a:stretch>
+        </p:blipFill>
+        <p:spPr>
+          <a:xfrm>
+            <a:off x="2409835" y="1825625"/>
+            <a:ext cx="7372330" cy="4351338"/>
+          </a:xfrm>
+          <a:prstGeom prst="rect">
+            <a:avLst/>
+          </a:prstGeom>
+        </p:spPr>
+      </p:pic>
+    </p:spTree>
+    <p:extLst>
+      <p:ext uri="{BB962C8B-B14F-4D97-AF65-F5344CB8AC3E}">
+        <p14:creationId xmlns:p14="http://schemas.microsoft.com/office/powerpoint/2010/main" val="1203680226"/>
+      </p:ext>
+    </p:extLst>
+  </p:cSld>
+  <p:clrMapOvr>
+    <a:masterClrMapping/>
+  </p:clrMapOvr>
+</p:sld>
+</file>
+
+<file path=ppt/slides/slide7.xml><?xml version="1.0" encoding="utf-8"?>
+<p:sld xmlns:a="http://schemas.openxmlformats.org/drawingml/2006/main" xmlns:r="http://schemas.openxmlformats.org/officeDocument/2006/relationships" xmlns:p="http://schemas.openxmlformats.org/presentationml/2006/main">
+  <p:cSld>
+    <p:spTree>
+      <p:nvGrpSpPr>
+        <p:cNvPr id="1" name=""/>
+        <p:cNvGrpSpPr/>
+        <p:nvPr/>
+      </p:nvGrpSpPr>
+      <p:grpSpPr>
+        <a:xfrm>
+          <a:off x="0" y="0"/>
+          <a:ext cx="0" cy="0"/>
+          <a:chOff x="0" y="0"/>
+          <a:chExt cx="0" cy="0"/>
+        </a:xfrm>
+      </p:grpSpPr>
+      <p:sp>
+        <p:nvSpPr>
+          <p:cNvPr id="2" name="標題 1">
+            <a:extLst>
+              <a:ext uri="{FF2B5EF4-FFF2-40B4-BE49-F238E27FC236}">
+                <a16:creationId xmlns:a16="http://schemas.microsoft.com/office/drawing/2014/main" id="{E6C0803D-18B6-4ABD-9436-DA15B8B173F9}"/>
+              </a:ext>
+            </a:extLst>
+          </p:cNvPr>
+          <p:cNvSpPr>
+            <a:spLocks noGrp="1"/>
+          </p:cNvSpPr>
+          <p:nvPr>
+            <p:ph type="title"/>
+          </p:nvPr>
+        </p:nvSpPr>
+        <p:spPr>
+          <a:xfrm>
+            <a:off x="838200" y="365125"/>
+            <a:ext cx="3211286" cy="1325563"/>
+          </a:xfrm>
+        </p:spPr>
+        <p:txBody>
+          <a:bodyPr/>
+          <a:lstStyle/>
+          <a:p>
+            <a:r>
+              <a:rPr lang="zh-TW" altLang="en-US" dirty="0"/>
+              <a:t>目前必須</a:t>
+            </a:r>
+          </a:p>
+        </p:txBody>
+      </p:sp>
+      <p:sp>
+        <p:nvSpPr>
+          <p:cNvPr id="3" name="內容版面配置區 2">
+            <a:extLst>
+              <a:ext uri="{FF2B5EF4-FFF2-40B4-BE49-F238E27FC236}">
+                <a16:creationId xmlns:a16="http://schemas.microsoft.com/office/drawing/2014/main" id="{B2690913-8EEA-4E99-8A5A-35EC506778B5}"/>
+              </a:ext>
+            </a:extLst>
+          </p:cNvPr>
+          <p:cNvSpPr>
+            <a:spLocks noGrp="1"/>
+          </p:cNvSpPr>
+          <p:nvPr>
+            <p:ph idx="1"/>
+          </p:nvPr>
+        </p:nvSpPr>
+        <p:spPr>
+          <a:xfrm>
+            <a:off x="838200" y="1825625"/>
+            <a:ext cx="3211286" cy="4351338"/>
+          </a:xfrm>
+        </p:spPr>
+        <p:txBody>
+          <a:bodyPr/>
+          <a:lstStyle/>
+          <a:p>
+            <a:r>
+              <a:rPr lang="zh-TW" altLang="en-US" dirty="0"/>
+              <a:t>編碼 </a:t>
+            </a:r>
+            <a:r>
+              <a:rPr lang="en-US" altLang="zh-TW" dirty="0"/>
+              <a:t>(Auto)</a:t>
+            </a:r>
+          </a:p>
+          <a:p>
+            <a:r>
+              <a:rPr lang="zh-TW" altLang="en-US" dirty="0"/>
+              <a:t>時間 </a:t>
+            </a:r>
+            <a:r>
+              <a:rPr lang="en-US" altLang="zh-TW" dirty="0"/>
+              <a:t>(</a:t>
+            </a:r>
+            <a:r>
+              <a:rPr lang="zh-TW" altLang="en-US" dirty="0"/>
+              <a:t>預約時刻表</a:t>
+            </a:r>
+            <a:r>
+              <a:rPr lang="en-US" altLang="zh-TW" dirty="0"/>
+              <a:t>)</a:t>
+            </a:r>
+          </a:p>
+          <a:p>
+            <a:r>
+              <a:rPr lang="zh-TW" altLang="en-US" dirty="0"/>
+              <a:t>類型 </a:t>
+            </a:r>
+            <a:r>
+              <a:rPr lang="en-US" altLang="zh-TW" dirty="0"/>
+              <a:t>(</a:t>
+            </a:r>
+            <a:r>
+              <a:rPr lang="zh-TW" altLang="en-US" dirty="0"/>
+              <a:t>課程總類</a:t>
+            </a:r>
+            <a:r>
+              <a:rPr lang="en-US" altLang="zh-TW" dirty="0"/>
+              <a:t>)</a:t>
+            </a:r>
+          </a:p>
+          <a:p>
+            <a:r>
+              <a:rPr lang="zh-TW" altLang="en-US" dirty="0"/>
+              <a:t>教室 </a:t>
+            </a:r>
+            <a:r>
+              <a:rPr lang="en-US" altLang="zh-TW" dirty="0"/>
+              <a:t>(</a:t>
+            </a:r>
+            <a:r>
+              <a:rPr lang="zh-TW" altLang="en-US" dirty="0"/>
+              <a:t>地點</a:t>
+            </a:r>
+            <a:r>
+              <a:rPr lang="en-US" altLang="zh-TW" dirty="0"/>
+              <a:t>)</a:t>
+            </a:r>
+          </a:p>
+          <a:p>
+            <a:r>
+              <a:rPr lang="zh-TW" altLang="en-US" dirty="0"/>
+              <a:t>教練 </a:t>
+            </a:r>
+            <a:r>
+              <a:rPr lang="en-US" altLang="zh-TW" dirty="0"/>
+              <a:t>(</a:t>
+            </a:r>
+            <a:r>
+              <a:rPr lang="zh-TW" altLang="en-US" dirty="0"/>
+              <a:t>帶課老師</a:t>
+            </a:r>
+            <a:r>
+              <a:rPr lang="en-US" altLang="zh-TW" dirty="0"/>
+              <a:t>)</a:t>
+            </a:r>
+          </a:p>
+          <a:p>
+            <a:r>
+              <a:rPr lang="zh-TW" altLang="en-US" dirty="0"/>
+              <a:t>詳細內容 </a:t>
+            </a:r>
+            <a:r>
+              <a:rPr lang="en-US" altLang="zh-TW" dirty="0"/>
+              <a:t>(</a:t>
+            </a:r>
+            <a:r>
+              <a:rPr lang="zh-TW" altLang="en-US" dirty="0"/>
+              <a:t>暫無</a:t>
+            </a:r>
+            <a:r>
+              <a:rPr lang="en-US" altLang="zh-TW" dirty="0"/>
+              <a:t>)</a:t>
+            </a:r>
+          </a:p>
+          <a:p>
+            <a:endParaRPr lang="en-US" altLang="zh-TW" dirty="0"/>
+          </a:p>
+          <a:p>
+            <a:endParaRPr lang="zh-TW" altLang="en-US" dirty="0"/>
+          </a:p>
+        </p:txBody>
+      </p:sp>
+      <p:sp>
+        <p:nvSpPr>
+          <p:cNvPr id="4" name="標題 1">
+            <a:extLst>
+              <a:ext uri="{FF2B5EF4-FFF2-40B4-BE49-F238E27FC236}">
+                <a16:creationId xmlns:a16="http://schemas.microsoft.com/office/drawing/2014/main" id="{A9167FCD-085C-4A45-A2B0-AE6EF8CA5D1E}"/>
+              </a:ext>
+            </a:extLst>
+          </p:cNvPr>
+          <p:cNvSpPr txBox="1">
+            <a:spLocks/>
+          </p:cNvSpPr>
+          <p:nvPr/>
+        </p:nvSpPr>
+        <p:spPr>
+          <a:xfrm>
+            <a:off x="4187890" y="365125"/>
+            <a:ext cx="3211286" cy="1325563"/>
+          </a:xfrm>
+          <a:prstGeom prst="rect">
+            <a:avLst/>
+          </a:prstGeom>
+        </p:spPr>
+        <p:txBody>
+          <a:bodyPr vert="horz" lIns="91440" tIns="45720" rIns="91440" bIns="45720" rtlCol="0" anchor="ctr">
+            <a:normAutofit/>
+          </a:bodyPr>
+          <a:lstStyle>
+            <a:lvl1pPr algn="l" defTabSz="914400" rtl="0" eaLnBrk="1" latinLnBrk="0" hangingPunct="1">
+              <a:lnSpc>
+                <a:spcPct val="90000"/>
+              </a:lnSpc>
+              <a:spcBef>
+                <a:spcPct val="0"/>
+              </a:spcBef>
+              <a:buNone/>
+              <a:defRPr sz="4400" kern="1200">
+                <a:solidFill>
+                  <a:schemeClr val="tx1"/>
+                </a:solidFill>
+                <a:latin typeface="+mj-lt"/>
+                <a:ea typeface="+mj-ea"/>
+                <a:cs typeface="+mj-cs"/>
+              </a:defRPr>
+            </a:lvl1pPr>
+          </a:lstStyle>
+          <a:p>
+            <a:r>
+              <a:rPr lang="en-US" altLang="zh-TW" dirty="0"/>
+              <a:t>table</a:t>
+            </a:r>
+            <a:endParaRPr lang="zh-TW" altLang="en-US" dirty="0"/>
+          </a:p>
+        </p:txBody>
+      </p:sp>
+      <p:sp>
+        <p:nvSpPr>
+          <p:cNvPr id="5" name="內容版面配置區 2">
+            <a:extLst>
+              <a:ext uri="{FF2B5EF4-FFF2-40B4-BE49-F238E27FC236}">
+                <a16:creationId xmlns:a16="http://schemas.microsoft.com/office/drawing/2014/main" id="{0401252F-F985-417A-BC3D-7098562B9C81}"/>
+              </a:ext>
+            </a:extLst>
+          </p:cNvPr>
+          <p:cNvSpPr txBox="1">
+            <a:spLocks/>
+          </p:cNvSpPr>
+          <p:nvPr/>
+        </p:nvSpPr>
+        <p:spPr>
+          <a:xfrm>
+            <a:off x="4187890" y="1825625"/>
+            <a:ext cx="3211286" cy="4351338"/>
+          </a:xfrm>
+          <a:prstGeom prst="rect">
+            <a:avLst/>
+          </a:prstGeom>
+        </p:spPr>
+        <p:txBody>
+          <a:bodyPr vert="horz" lIns="91440" tIns="45720" rIns="91440" bIns="45720" rtlCol="0">
+            <a:normAutofit/>
+          </a:bodyPr>
+          <a:lstStyle>
+            <a:lvl1pPr marL="228600" indent="-228600" algn="l" defTabSz="914400" rtl="0" eaLnBrk="1" latinLnBrk="0" hangingPunct="1">
+              <a:lnSpc>
+                <a:spcPct val="90000"/>
+              </a:lnSpc>
+              <a:spcBef>
+                <a:spcPts val="1000"/>
+              </a:spcBef>
+              <a:buFont typeface="Arial" panose="020B0604020202020204" pitchFamily="34" charset="0"/>
+              <a:buChar char="•"/>
+              <a:defRPr sz="2800" kern="1200">
+                <a:solidFill>
+                  <a:schemeClr val="tx1"/>
+                </a:solidFill>
+                <a:latin typeface="+mn-lt"/>
+                <a:ea typeface="+mn-ea"/>
+                <a:cs typeface="+mn-cs"/>
+              </a:defRPr>
+            </a:lvl1pPr>
+            <a:lvl2pPr marL="685800" indent="-228600" algn="l" defTabSz="914400" rtl="0" eaLnBrk="1" latinLnBrk="0" hangingPunct="1">
+              <a:lnSpc>
+                <a:spcPct val="90000"/>
+              </a:lnSpc>
+              <a:spcBef>
+                <a:spcPts val="500"/>
+              </a:spcBef>
+              <a:buFont typeface="Arial" panose="020B0604020202020204" pitchFamily="34" charset="0"/>
+              <a:buChar char="•"/>
+              <a:defRPr sz="2400" kern="1200">
+                <a:solidFill>
+                  <a:schemeClr val="tx1"/>
+                </a:solidFill>
+                <a:latin typeface="+mn-lt"/>
+                <a:ea typeface="+mn-ea"/>
+                <a:cs typeface="+mn-cs"/>
+              </a:defRPr>
+            </a:lvl2pPr>
+            <a:lvl3pPr marL="1143000" indent="-228600" algn="l" defTabSz="914400" rtl="0" eaLnBrk="1" latinLnBrk="0" hangingPunct="1">
+              <a:lnSpc>
+                <a:spcPct val="90000"/>
+              </a:lnSpc>
+              <a:spcBef>
+                <a:spcPts val="500"/>
+              </a:spcBef>
+              <a:buFont typeface="Arial" panose="020B0604020202020204" pitchFamily="34" charset="0"/>
+              <a:buChar char="•"/>
+              <a:defRPr sz="2000" kern="1200">
+                <a:solidFill>
+                  <a:schemeClr val="tx1"/>
+                </a:solidFill>
+                <a:latin typeface="+mn-lt"/>
+                <a:ea typeface="+mn-ea"/>
+                <a:cs typeface="+mn-cs"/>
+              </a:defRPr>
+            </a:lvl3pPr>
+            <a:lvl4pPr marL="1600200" indent="-228600" algn="l" defTabSz="914400" rtl="0" eaLnBrk="1" latinLnBrk="0" hangingPunct="1">
+              <a:lnSpc>
+                <a:spcPct val="90000"/>
+              </a:lnSpc>
+              <a:spcBef>
+                <a:spcPts val="500"/>
+              </a:spcBef>
+              <a:buFont typeface="Arial" panose="020B0604020202020204" pitchFamily="34" charset="0"/>
+              <a:buChar char="•"/>
+              <a:defRPr sz="1800" kern="1200">
+                <a:solidFill>
+                  <a:schemeClr val="tx1"/>
+                </a:solidFill>
+                <a:latin typeface="+mn-lt"/>
+                <a:ea typeface="+mn-ea"/>
+                <a:cs typeface="+mn-cs"/>
+              </a:defRPr>
+            </a:lvl4pPr>
+            <a:lvl5pPr marL="2057400" indent="-228600" algn="l" defTabSz="914400" rtl="0" eaLnBrk="1" latinLnBrk="0" hangingPunct="1">
+              <a:lnSpc>
+                <a:spcPct val="90000"/>
+              </a:lnSpc>
+              <a:spcBef>
+                <a:spcPts val="500"/>
+              </a:spcBef>
+              <a:buFont typeface="Arial" panose="020B0604020202020204" pitchFamily="34" charset="0"/>
+              <a:buChar char="•"/>
+              <a:defRPr sz="1800" kern="1200">
+                <a:solidFill>
+                  <a:schemeClr val="tx1"/>
+                </a:solidFill>
+                <a:latin typeface="+mn-lt"/>
+                <a:ea typeface="+mn-ea"/>
+                <a:cs typeface="+mn-cs"/>
+              </a:defRPr>
+            </a:lvl5pPr>
+            <a:lvl6pPr marL="2514600" indent="-228600" algn="l" defTabSz="914400" rtl="0" eaLnBrk="1" latinLnBrk="0" hangingPunct="1">
+              <a:lnSpc>
+                <a:spcPct val="90000"/>
+              </a:lnSpc>
+              <a:spcBef>
+                <a:spcPts val="500"/>
+              </a:spcBef>
+              <a:buFont typeface="Arial" panose="020B0604020202020204" pitchFamily="34" charset="0"/>
+              <a:buChar char="•"/>
+              <a:defRPr sz="1800" kern="1200">
+                <a:solidFill>
+                  <a:schemeClr val="tx1"/>
+                </a:solidFill>
+                <a:latin typeface="+mn-lt"/>
+                <a:ea typeface="+mn-ea"/>
+                <a:cs typeface="+mn-cs"/>
+              </a:defRPr>
+            </a:lvl6pPr>
+            <a:lvl7pPr marL="2971800" indent="-228600" algn="l" defTabSz="914400" rtl="0" eaLnBrk="1" latinLnBrk="0" hangingPunct="1">
+              <a:lnSpc>
+                <a:spcPct val="90000"/>
+              </a:lnSpc>
+              <a:spcBef>
+                <a:spcPts val="500"/>
+              </a:spcBef>
+              <a:buFont typeface="Arial" panose="020B0604020202020204" pitchFamily="34" charset="0"/>
+              <a:buChar char="•"/>
+              <a:defRPr sz="1800" kern="1200">
+                <a:solidFill>
+                  <a:schemeClr val="tx1"/>
+                </a:solidFill>
+                <a:latin typeface="+mn-lt"/>
+                <a:ea typeface="+mn-ea"/>
+                <a:cs typeface="+mn-cs"/>
+              </a:defRPr>
+            </a:lvl7pPr>
+            <a:lvl8pPr marL="3429000" indent="-228600" algn="l" defTabSz="914400" rtl="0" eaLnBrk="1" latinLnBrk="0" hangingPunct="1">
+              <a:lnSpc>
+                <a:spcPct val="90000"/>
+              </a:lnSpc>
+              <a:spcBef>
+                <a:spcPts val="500"/>
+              </a:spcBef>
+              <a:buFont typeface="Arial" panose="020B0604020202020204" pitchFamily="34" charset="0"/>
+              <a:buChar char="•"/>
+              <a:defRPr sz="1800" kern="1200">
+                <a:solidFill>
+                  <a:schemeClr val="tx1"/>
+                </a:solidFill>
+                <a:latin typeface="+mn-lt"/>
+                <a:ea typeface="+mn-ea"/>
+                <a:cs typeface="+mn-cs"/>
+              </a:defRPr>
+            </a:lvl8pPr>
+            <a:lvl9pPr marL="3886200" indent="-228600" algn="l" defTabSz="914400" rtl="0" eaLnBrk="1" latinLnBrk="0" hangingPunct="1">
+              <a:lnSpc>
+                <a:spcPct val="90000"/>
+              </a:lnSpc>
+              <a:spcBef>
+                <a:spcPts val="500"/>
+              </a:spcBef>
+              <a:buFont typeface="Arial" panose="020B0604020202020204" pitchFamily="34" charset="0"/>
+              <a:buChar char="•"/>
+              <a:defRPr sz="1800" kern="1200">
+                <a:solidFill>
+                  <a:schemeClr val="tx1"/>
+                </a:solidFill>
+                <a:latin typeface="+mn-lt"/>
+                <a:ea typeface="+mn-ea"/>
+                <a:cs typeface="+mn-cs"/>
+              </a:defRPr>
+            </a:lvl9pPr>
+          </a:lstStyle>
+          <a:p>
+            <a:r>
+              <a:rPr lang="zh-TW" altLang="en-US" dirty="0"/>
+              <a:t>類型 </a:t>
+            </a:r>
+            <a:r>
+              <a:rPr lang="en-US" altLang="zh-TW" dirty="0"/>
+              <a:t>(</a:t>
+            </a:r>
+            <a:r>
+              <a:rPr lang="zh-TW" altLang="en-US" dirty="0"/>
+              <a:t>課程總類</a:t>
+            </a:r>
+            <a:r>
+              <a:rPr lang="en-US" altLang="zh-TW" dirty="0"/>
+              <a:t>)</a:t>
+            </a:r>
+          </a:p>
+          <a:p>
+            <a:r>
+              <a:rPr lang="zh-TW" altLang="en-US" dirty="0"/>
+              <a:t>教室 </a:t>
+            </a:r>
+            <a:r>
+              <a:rPr lang="en-US" altLang="zh-TW" dirty="0"/>
+              <a:t>(</a:t>
+            </a:r>
+            <a:r>
+              <a:rPr lang="zh-TW" altLang="en-US" dirty="0"/>
+              <a:t>地點</a:t>
+            </a:r>
+            <a:r>
+              <a:rPr lang="en-US" altLang="zh-TW" dirty="0"/>
+              <a:t>)</a:t>
+            </a:r>
+          </a:p>
+          <a:p>
+            <a:pPr lvl="1"/>
+            <a:r>
+              <a:rPr lang="zh-TW" altLang="en-US" dirty="0"/>
+              <a:t>時間表</a:t>
+            </a:r>
+            <a:endParaRPr lang="en-US" altLang="zh-TW" dirty="0"/>
+          </a:p>
+          <a:p>
+            <a:r>
+              <a:rPr lang="zh-TW" altLang="en-US" dirty="0"/>
+              <a:t>教練 </a:t>
+            </a:r>
+            <a:r>
+              <a:rPr lang="en-US" altLang="zh-TW" dirty="0"/>
+              <a:t>(</a:t>
+            </a:r>
+            <a:r>
+              <a:rPr lang="zh-TW" altLang="en-US" dirty="0"/>
+              <a:t>帶課老師</a:t>
+            </a:r>
+            <a:r>
+              <a:rPr lang="en-US" altLang="zh-TW" dirty="0"/>
+              <a:t>)</a:t>
+            </a:r>
+          </a:p>
+          <a:p>
+            <a:pPr lvl="1"/>
+            <a:r>
+              <a:rPr lang="zh-TW" altLang="en-US" dirty="0"/>
+              <a:t>時間表</a:t>
+            </a:r>
+            <a:endParaRPr lang="en-US" altLang="zh-TW" dirty="0"/>
+          </a:p>
+          <a:p>
+            <a:r>
+              <a:rPr lang="zh-TW" altLang="en-US" dirty="0"/>
+              <a:t>詳細內容 </a:t>
+            </a:r>
+            <a:r>
+              <a:rPr lang="en-US" altLang="zh-TW" dirty="0"/>
+              <a:t>(</a:t>
+            </a:r>
+            <a:r>
+              <a:rPr lang="zh-TW" altLang="en-US" dirty="0"/>
+              <a:t>暫無</a:t>
+            </a:r>
+            <a:r>
+              <a:rPr lang="en-US" altLang="zh-TW" dirty="0"/>
+              <a:t>)</a:t>
+            </a:r>
+          </a:p>
+          <a:p>
+            <a:endParaRPr lang="en-US" altLang="zh-TW" dirty="0"/>
+          </a:p>
+          <a:p>
+            <a:endParaRPr lang="zh-TW" altLang="en-US" dirty="0"/>
+          </a:p>
+        </p:txBody>
+      </p:sp>
+    </p:spTree>
+    <p:extLst>
+      <p:ext uri="{BB962C8B-B14F-4D97-AF65-F5344CB8AC3E}">
+        <p14:creationId xmlns:p14="http://schemas.microsoft.com/office/powerpoint/2010/main" val="3268049342"/>
+      </p:ext>
+    </p:extLst>
+  </p:cSld>
+  <p:clrMapOvr>
+    <a:masterClrMapping/>
+  </p:clrMapOvr>
+</p:sld>
+</file>
+
+<file path=ppt/slides/slide8.xml><?xml version="1.0" encoding="utf-8"?>
+<p:sld xmlns:a="http://schemas.openxmlformats.org/drawingml/2006/main" xmlns:r="http://schemas.openxmlformats.org/officeDocument/2006/relationships" xmlns:p="http://schemas.openxmlformats.org/presentationml/2006/main">
+  <p:cSld>
+    <p:spTree>
+      <p:nvGrpSpPr>
+        <p:cNvPr id="1" name=""/>
+        <p:cNvGrpSpPr/>
+        <p:nvPr/>
+      </p:nvGrpSpPr>
+      <p:grpSpPr>
+        <a:xfrm>
+          <a:off x="0" y="0"/>
+          <a:ext cx="0" cy="0"/>
+          <a:chOff x="0" y="0"/>
+          <a:chExt cx="0" cy="0"/>
+        </a:xfrm>
+      </p:grpSpPr>
       <p:pic>
         <p:nvPicPr>
           <p:cNvPr id="4" name="圖片 3">
@@ -11376,7 +12202,7 @@
 </p:sld>
 </file>
 
-<file path=ppt/slides/slide7.xml><?xml version="1.0" encoding="utf-8"?>
+<file path=ppt/slides/slide9.xml><?xml version="1.0" encoding="utf-8"?>
 <p:sld xmlns:a="http://schemas.openxmlformats.org/drawingml/2006/main" xmlns:r="http://schemas.openxmlformats.org/officeDocument/2006/relationships" xmlns:p="http://schemas.openxmlformats.org/presentationml/2006/main">
   <p:cSld>
     <p:spTree>
@@ -11455,200 +12281,6 @@
     <p:extLst>
       <p:ext uri="{BB962C8B-B14F-4D97-AF65-F5344CB8AC3E}">
         <p14:creationId xmlns:p14="http://schemas.microsoft.com/office/powerpoint/2010/main" val="3208716510"/>
-      </p:ext>
-    </p:extLst>
-  </p:cSld>
-  <p:clrMapOvr>
-    <a:masterClrMapping/>
-  </p:clrMapOvr>
-</p:sld>
-</file>
-
-<file path=ppt/slides/slide8.xml><?xml version="1.0" encoding="utf-8"?>
-<p:sld xmlns:a="http://schemas.openxmlformats.org/drawingml/2006/main" xmlns:r="http://schemas.openxmlformats.org/officeDocument/2006/relationships" xmlns:p="http://schemas.openxmlformats.org/presentationml/2006/main">
-  <p:cSld>
-    <p:spTree>
-      <p:nvGrpSpPr>
-        <p:cNvPr id="1" name=""/>
-        <p:cNvGrpSpPr/>
-        <p:nvPr/>
-      </p:nvGrpSpPr>
-      <p:grpSpPr>
-        <a:xfrm>
-          <a:off x="0" y="0"/>
-          <a:ext cx="0" cy="0"/>
-          <a:chOff x="0" y="0"/>
-          <a:chExt cx="0" cy="0"/>
-        </a:xfrm>
-      </p:grpSpPr>
-      <p:pic>
-        <p:nvPicPr>
-          <p:cNvPr id="4" name="圖片 3">
-            <a:extLst>
-              <a:ext uri="{FF2B5EF4-FFF2-40B4-BE49-F238E27FC236}">
-                <a16:creationId xmlns:a16="http://schemas.microsoft.com/office/drawing/2014/main" id="{A7952EEB-8B13-4E30-96BB-C914991F0617}"/>
-              </a:ext>
-            </a:extLst>
-          </p:cNvPr>
-          <p:cNvPicPr>
-            <a:picLocks noChangeAspect="1"/>
-          </p:cNvPicPr>
-          <p:nvPr/>
-        </p:nvPicPr>
-        <p:blipFill>
-          <a:blip r:embed="rId2"/>
-          <a:stretch>
-            <a:fillRect/>
-          </a:stretch>
-        </p:blipFill>
-        <p:spPr>
-          <a:xfrm>
-            <a:off x="2509934" y="1488109"/>
-            <a:ext cx="9682065" cy="5240235"/>
-          </a:xfrm>
-          <a:prstGeom prst="rect">
-            <a:avLst/>
-          </a:prstGeom>
-        </p:spPr>
-      </p:pic>
-      <p:sp>
-        <p:nvSpPr>
-          <p:cNvPr id="5" name="標題 4">
-            <a:extLst>
-              <a:ext uri="{FF2B5EF4-FFF2-40B4-BE49-F238E27FC236}">
-                <a16:creationId xmlns:a16="http://schemas.microsoft.com/office/drawing/2014/main" id="{FD20C397-33DF-4785-A577-F4B8462E9C5E}"/>
-              </a:ext>
-            </a:extLst>
-          </p:cNvPr>
-          <p:cNvSpPr>
-            <a:spLocks noGrp="1"/>
-          </p:cNvSpPr>
-          <p:nvPr>
-            <p:ph type="title"/>
-          </p:nvPr>
-        </p:nvSpPr>
-        <p:spPr>
-          <a:xfrm>
-            <a:off x="838200" y="365125"/>
-            <a:ext cx="10515600" cy="1325563"/>
-          </a:xfrm>
-        </p:spPr>
-        <p:txBody>
-          <a:bodyPr/>
-          <a:lstStyle/>
-          <a:p>
-            <a:r>
-              <a:rPr lang="zh-TW" altLang="en-US" dirty="0"/>
-              <a:t>會員查看</a:t>
-            </a:r>
-          </a:p>
-        </p:txBody>
-      </p:sp>
-    </p:spTree>
-    <p:extLst>
-      <p:ext uri="{BB962C8B-B14F-4D97-AF65-F5344CB8AC3E}">
-        <p14:creationId xmlns:p14="http://schemas.microsoft.com/office/powerpoint/2010/main" val="2390699785"/>
-      </p:ext>
-    </p:extLst>
-  </p:cSld>
-  <p:clrMapOvr>
-    <a:masterClrMapping/>
-  </p:clrMapOvr>
-</p:sld>
-</file>
-
-<file path=ppt/slides/slide9.xml><?xml version="1.0" encoding="utf-8"?>
-<p:sld xmlns:a="http://schemas.openxmlformats.org/drawingml/2006/main" xmlns:r="http://schemas.openxmlformats.org/officeDocument/2006/relationships" xmlns:p="http://schemas.openxmlformats.org/presentationml/2006/main">
-  <p:cSld>
-    <p:spTree>
-      <p:nvGrpSpPr>
-        <p:cNvPr id="1" name=""/>
-        <p:cNvGrpSpPr/>
-        <p:nvPr/>
-      </p:nvGrpSpPr>
-      <p:grpSpPr>
-        <a:xfrm>
-          <a:off x="0" y="0"/>
-          <a:ext cx="0" cy="0"/>
-          <a:chOff x="0" y="0"/>
-          <a:chExt cx="0" cy="0"/>
-        </a:xfrm>
-      </p:grpSpPr>
-      <p:pic>
-        <p:nvPicPr>
-          <p:cNvPr id="4" name="圖片 3">
-            <a:extLst>
-              <a:ext uri="{FF2B5EF4-FFF2-40B4-BE49-F238E27FC236}">
-                <a16:creationId xmlns:a16="http://schemas.microsoft.com/office/drawing/2014/main" id="{58F86EA4-4568-4176-9C62-D4CD2BCFA0FC}"/>
-              </a:ext>
-            </a:extLst>
-          </p:cNvPr>
-          <p:cNvPicPr>
-            <a:picLocks noChangeAspect="1"/>
-          </p:cNvPicPr>
-          <p:nvPr/>
-        </p:nvPicPr>
-        <p:blipFill>
-          <a:blip r:embed="rId2"/>
-          <a:stretch>
-            <a:fillRect/>
-          </a:stretch>
-        </p:blipFill>
-        <p:spPr>
-          <a:xfrm>
-            <a:off x="2705878" y="1596448"/>
-            <a:ext cx="9486122" cy="5127782"/>
-          </a:xfrm>
-          <a:prstGeom prst="rect">
-            <a:avLst/>
-          </a:prstGeom>
-        </p:spPr>
-      </p:pic>
-      <p:sp>
-        <p:nvSpPr>
-          <p:cNvPr id="5" name="標題 4">
-            <a:extLst>
-              <a:ext uri="{FF2B5EF4-FFF2-40B4-BE49-F238E27FC236}">
-                <a16:creationId xmlns:a16="http://schemas.microsoft.com/office/drawing/2014/main" id="{E651B181-72A7-4D40-BA0D-0767AD15E405}"/>
-              </a:ext>
-            </a:extLst>
-          </p:cNvPr>
-          <p:cNvSpPr>
-            <a:spLocks noGrp="1"/>
-          </p:cNvSpPr>
-          <p:nvPr>
-            <p:ph type="title"/>
-          </p:nvPr>
-        </p:nvSpPr>
-        <p:spPr>
-          <a:xfrm>
-            <a:off x="838200" y="365125"/>
-            <a:ext cx="10515600" cy="1325563"/>
-          </a:xfrm>
-        </p:spPr>
-        <p:txBody>
-          <a:bodyPr/>
-          <a:lstStyle/>
-          <a:p>
-            <a:r>
-              <a:rPr lang="zh-TW" altLang="en-US" dirty="0"/>
-              <a:t>會員查看 </a:t>
-            </a:r>
-            <a:r>
-              <a:rPr lang="en-US" altLang="zh-TW" dirty="0"/>
-              <a:t>– </a:t>
-            </a:r>
-            <a:r>
-              <a:rPr lang="zh-TW" altLang="en-US" dirty="0"/>
-              <a:t>根據課程</a:t>
-            </a:r>
-          </a:p>
-        </p:txBody>
-      </p:sp>
-    </p:spTree>
-    <p:extLst>
-      <p:ext uri="{BB962C8B-B14F-4D97-AF65-F5344CB8AC3E}">
-        <p14:creationId xmlns:p14="http://schemas.microsoft.com/office/powerpoint/2010/main" val="452028996"/>
       </p:ext>
     </p:extLst>
   </p:cSld>

--- a/other/專題.pptx
+++ b/other/專題.pptx
@@ -11,9 +11,9 @@
     <p:sldId id="256" r:id="rId2"/>
     <p:sldId id="259" r:id="rId3"/>
     <p:sldId id="261" r:id="rId4"/>
-    <p:sldId id="262" r:id="rId5"/>
-    <p:sldId id="268" r:id="rId6"/>
-    <p:sldId id="269" r:id="rId7"/>
+    <p:sldId id="271" r:id="rId5"/>
+    <p:sldId id="262" r:id="rId6"/>
+    <p:sldId id="268" r:id="rId7"/>
     <p:sldId id="270" r:id="rId8"/>
     <p:sldId id="263" r:id="rId9"/>
     <p:sldId id="264" r:id="rId10"/>
@@ -126,9 +126,9 @@
             <p14:sldId id="256"/>
             <p14:sldId id="259"/>
             <p14:sldId id="261"/>
+            <p14:sldId id="271"/>
             <p14:sldId id="262"/>
             <p14:sldId id="268"/>
-            <p14:sldId id="269"/>
             <p14:sldId id="270"/>
           </p14:sldIdLst>
         </p14:section>
@@ -236,7 +236,7 @@
           <a:p>
             <a:fld id="{4F1AED75-714C-4D3D-BEC4-DC526DFB0DBA}" type="datetimeFigureOut">
               <a:rPr lang="zh-TW" altLang="en-US" smtClean="0"/>
-              <a:t>2024/11/12</a:t>
+              <a:t>2024/11/29</a:t>
             </a:fld>
             <a:endParaRPr lang="zh-TW" altLang="en-US"/>
           </a:p>
@@ -870,7 +870,7 @@
           <a:p>
             <a:fld id="{F44A2D49-3011-4869-9FF8-DF32A7D4878A}" type="datetimeFigureOut">
               <a:rPr lang="zh-TW" altLang="en-US" smtClean="0"/>
-              <a:t>2024/11/12</a:t>
+              <a:t>2024/11/29</a:t>
             </a:fld>
             <a:endParaRPr lang="zh-TW" altLang="en-US"/>
           </a:p>
@@ -1068,7 +1068,7 @@
           <a:p>
             <a:fld id="{F44A2D49-3011-4869-9FF8-DF32A7D4878A}" type="datetimeFigureOut">
               <a:rPr lang="zh-TW" altLang="en-US" smtClean="0"/>
-              <a:t>2024/11/12</a:t>
+              <a:t>2024/11/29</a:t>
             </a:fld>
             <a:endParaRPr lang="zh-TW" altLang="en-US"/>
           </a:p>
@@ -1276,7 +1276,7 @@
           <a:p>
             <a:fld id="{F44A2D49-3011-4869-9FF8-DF32A7D4878A}" type="datetimeFigureOut">
               <a:rPr lang="zh-TW" altLang="en-US" smtClean="0"/>
-              <a:t>2024/11/12</a:t>
+              <a:t>2024/11/29</a:t>
             </a:fld>
             <a:endParaRPr lang="zh-TW" altLang="en-US"/>
           </a:p>
@@ -1474,7 +1474,7 @@
           <a:p>
             <a:fld id="{F44A2D49-3011-4869-9FF8-DF32A7D4878A}" type="datetimeFigureOut">
               <a:rPr lang="zh-TW" altLang="en-US" smtClean="0"/>
-              <a:t>2024/11/12</a:t>
+              <a:t>2024/11/29</a:t>
             </a:fld>
             <a:endParaRPr lang="zh-TW" altLang="en-US"/>
           </a:p>
@@ -1749,7 +1749,7 @@
           <a:p>
             <a:fld id="{F44A2D49-3011-4869-9FF8-DF32A7D4878A}" type="datetimeFigureOut">
               <a:rPr lang="zh-TW" altLang="en-US" smtClean="0"/>
-              <a:t>2024/11/12</a:t>
+              <a:t>2024/11/29</a:t>
             </a:fld>
             <a:endParaRPr lang="zh-TW" altLang="en-US"/>
           </a:p>
@@ -2014,7 +2014,7 @@
           <a:p>
             <a:fld id="{F44A2D49-3011-4869-9FF8-DF32A7D4878A}" type="datetimeFigureOut">
               <a:rPr lang="zh-TW" altLang="en-US" smtClean="0"/>
-              <a:t>2024/11/12</a:t>
+              <a:t>2024/11/29</a:t>
             </a:fld>
             <a:endParaRPr lang="zh-TW" altLang="en-US"/>
           </a:p>
@@ -2426,7 +2426,7 @@
           <a:p>
             <a:fld id="{F44A2D49-3011-4869-9FF8-DF32A7D4878A}" type="datetimeFigureOut">
               <a:rPr lang="zh-TW" altLang="en-US" smtClean="0"/>
-              <a:t>2024/11/12</a:t>
+              <a:t>2024/11/29</a:t>
             </a:fld>
             <a:endParaRPr lang="zh-TW" altLang="en-US"/>
           </a:p>
@@ -2567,7 +2567,7 @@
           <a:p>
             <a:fld id="{F44A2D49-3011-4869-9FF8-DF32A7D4878A}" type="datetimeFigureOut">
               <a:rPr lang="zh-TW" altLang="en-US" smtClean="0"/>
-              <a:t>2024/11/12</a:t>
+              <a:t>2024/11/29</a:t>
             </a:fld>
             <a:endParaRPr lang="zh-TW" altLang="en-US"/>
           </a:p>
@@ -2680,7 +2680,7 @@
           <a:p>
             <a:fld id="{F44A2D49-3011-4869-9FF8-DF32A7D4878A}" type="datetimeFigureOut">
               <a:rPr lang="zh-TW" altLang="en-US" smtClean="0"/>
-              <a:t>2024/11/12</a:t>
+              <a:t>2024/11/29</a:t>
             </a:fld>
             <a:endParaRPr lang="zh-TW" altLang="en-US"/>
           </a:p>
@@ -2991,7 +2991,7 @@
           <a:p>
             <a:fld id="{F44A2D49-3011-4869-9FF8-DF32A7D4878A}" type="datetimeFigureOut">
               <a:rPr lang="zh-TW" altLang="en-US" smtClean="0"/>
-              <a:t>2024/11/12</a:t>
+              <a:t>2024/11/29</a:t>
             </a:fld>
             <a:endParaRPr lang="zh-TW" altLang="en-US"/>
           </a:p>
@@ -3279,7 +3279,7 @@
           <a:p>
             <a:fld id="{F44A2D49-3011-4869-9FF8-DF32A7D4878A}" type="datetimeFigureOut">
               <a:rPr lang="zh-TW" altLang="en-US" smtClean="0"/>
-              <a:t>2024/11/12</a:t>
+              <a:t>2024/11/29</a:t>
             </a:fld>
             <a:endParaRPr lang="zh-TW" altLang="en-US"/>
           </a:p>
@@ -3520,7 +3520,7 @@
           <a:p>
             <a:fld id="{F44A2D49-3011-4869-9FF8-DF32A7D4878A}" type="datetimeFigureOut">
               <a:rPr lang="zh-TW" altLang="en-US" smtClean="0"/>
-              <a:t>2024/11/12</a:t>
+              <a:t>2024/11/29</a:t>
             </a:fld>
             <a:endParaRPr lang="zh-TW" altLang="en-US"/>
           </a:p>
@@ -11256,7 +11256,7 @@
           <p:cNvPr id="2" name="標題 1">
             <a:extLst>
               <a:ext uri="{FF2B5EF4-FFF2-40B4-BE49-F238E27FC236}">
-                <a16:creationId xmlns:a16="http://schemas.microsoft.com/office/drawing/2014/main" id="{3930E9D2-DB71-447B-948B-5D88F00DACA3}"/>
+                <a16:creationId xmlns:a16="http://schemas.microsoft.com/office/drawing/2014/main" id="{DE943992-5814-4B8A-B308-6371E6DAEFBC}"/>
               </a:ext>
             </a:extLst>
           </p:cNvPr>
@@ -11267,12 +11267,20 @@
             <p:ph type="title"/>
           </p:nvPr>
         </p:nvSpPr>
-        <p:spPr/>
+        <p:spPr>
+          <a:xfrm>
+            <a:off x="0" y="0"/>
+            <a:ext cx="10515600" cy="1325563"/>
+          </a:xfrm>
+        </p:spPr>
         <p:txBody>
           <a:bodyPr/>
           <a:lstStyle/>
           <a:p>
-            <a:endParaRPr lang="zh-TW" altLang="en-US"/>
+            <a:r>
+              <a:rPr lang="zh-TW" altLang="en-US" dirty="0"/>
+              <a:t>功能</a:t>
+            </a:r>
           </a:p>
         </p:txBody>
       </p:sp>
@@ -11281,7 +11289,7 @@
           <p:cNvPr id="3" name="內容版面配置區 2">
             <a:extLst>
               <a:ext uri="{FF2B5EF4-FFF2-40B4-BE49-F238E27FC236}">
-                <a16:creationId xmlns:a16="http://schemas.microsoft.com/office/drawing/2014/main" id="{59CD18E6-BB6B-4CC9-875E-6160ED8F5021}"/>
+                <a16:creationId xmlns:a16="http://schemas.microsoft.com/office/drawing/2014/main" id="{8A08B255-A2FF-4BAF-95A2-0FCBFFE322BE}"/>
               </a:ext>
             </a:extLst>
           </p:cNvPr>
@@ -11292,98 +11300,125 @@
             <p:ph idx="1"/>
           </p:nvPr>
         </p:nvSpPr>
-        <p:spPr/>
+        <p:spPr>
+          <a:xfrm>
+            <a:off x="0" y="1325563"/>
+            <a:ext cx="10515600" cy="4351338"/>
+          </a:xfrm>
+        </p:spPr>
         <p:txBody>
           <a:bodyPr/>
           <a:lstStyle/>
           <a:p>
             <a:r>
               <a:rPr lang="zh-TW" altLang="en-US" dirty="0"/>
-              <a:t>教練</a:t>
+              <a:t>活動管理員 </a:t>
             </a:r>
             <a:r>
               <a:rPr lang="en-US" altLang="zh-TW" dirty="0"/>
-              <a:t>: </a:t>
+              <a:t>– </a:t>
             </a:r>
             <a:r>
               <a:rPr lang="zh-TW" altLang="en-US" dirty="0"/>
-              <a:t>可以看到人員名單、電話</a:t>
+              <a:t>新增按鈕</a:t>
             </a:r>
             <a:endParaRPr lang="en-US" altLang="zh-TW" dirty="0"/>
           </a:p>
           <a:p>
+            <a:endParaRPr lang="en-US" altLang="zh-TW" dirty="0"/>
+          </a:p>
+          <a:p>
+            <a:r>
+              <a:rPr lang="en-US" altLang="zh-TW" dirty="0"/>
+              <a:t>AS</a:t>
+            </a:r>
             <a:r>
               <a:rPr lang="zh-TW" altLang="en-US" dirty="0"/>
-              <a:t>會員</a:t>
+              <a:t> </a:t>
             </a:r>
             <a:r>
               <a:rPr lang="en-US" altLang="zh-TW" dirty="0"/>
-              <a:t>:</a:t>
+              <a:t>–</a:t>
             </a:r>
             <a:r>
               <a:rPr lang="zh-TW" altLang="en-US" dirty="0"/>
-              <a:t> 要打勾</a:t>
+              <a:t> </a:t>
+            </a:r>
+            <a:r>
+              <a:rPr lang="en-US" altLang="zh-TW" dirty="0" err="1"/>
+              <a:t>findBy</a:t>
             </a:r>
             <a:r>
               <a:rPr lang="en-US" altLang="zh-TW" dirty="0"/>
-              <a:t>(</a:t>
+              <a:t> </a:t>
             </a:r>
             <a:r>
               <a:rPr lang="zh-TW" altLang="en-US" dirty="0"/>
-              <a:t>時間、地點、注意事項</a:t>
+              <a:t>教室、教練、課程類型</a:t>
+            </a:r>
+            <a:endParaRPr lang="en-US" altLang="zh-TW" dirty="0"/>
+          </a:p>
+          <a:p>
+            <a:endParaRPr lang="en-US" altLang="zh-TW" dirty="0"/>
+          </a:p>
+          <a:p>
+            <a:r>
+              <a:rPr lang="zh-TW" altLang="en-US" dirty="0"/>
+              <a:t>教練 </a:t>
             </a:r>
             <a:r>
               <a:rPr lang="en-US" altLang="zh-TW" dirty="0"/>
-              <a:t>—</a:t>
+              <a:t>– </a:t>
+            </a:r>
+            <a:r>
+              <a:rPr lang="en-US" altLang="zh-TW" dirty="0" err="1"/>
+              <a:t>findBy</a:t>
+            </a:r>
+            <a:r>
+              <a:rPr lang="en-US" altLang="zh-TW" dirty="0"/>
+              <a:t> </a:t>
             </a:r>
             <a:r>
               <a:rPr lang="zh-TW" altLang="en-US" dirty="0"/>
-              <a:t>教練填寫</a:t>
+              <a:t>課程類型</a:t>
+            </a:r>
+            <a:endParaRPr lang="en-US" altLang="zh-TW" dirty="0"/>
+          </a:p>
+          <a:p>
+            <a:endParaRPr lang="en-US" altLang="zh-TW" dirty="0"/>
+          </a:p>
+          <a:p>
+            <a:r>
+              <a:rPr lang="zh-TW" altLang="en-US" dirty="0"/>
+              <a:t>會員 </a:t>
             </a:r>
             <a:r>
               <a:rPr lang="en-US" altLang="zh-TW" dirty="0"/>
-              <a:t>)—</a:t>
+              <a:t>–</a:t>
             </a:r>
             <a:r>
               <a:rPr lang="zh-TW" altLang="en-US" dirty="0"/>
-              <a:t>我已了解</a:t>
+              <a:t> </a:t>
+            </a:r>
+            <a:r>
+              <a:rPr lang="en-US" altLang="zh-TW" dirty="0" err="1"/>
+              <a:t>findBy</a:t>
             </a:r>
             <a:r>
               <a:rPr lang="en-US" altLang="zh-TW" dirty="0"/>
-              <a:t>…</a:t>
-            </a:r>
-            <a:br>
-              <a:rPr lang="en-US" altLang="zh-TW" dirty="0"/>
-            </a:br>
+              <a:t> </a:t>
+            </a:r>
             <a:r>
               <a:rPr lang="zh-TW" altLang="en-US" dirty="0"/>
-              <a:t>、報名數量上限、未到停權</a:t>
-            </a:r>
-            <a:r>
-              <a:rPr lang="en-US" altLang="zh-TW" dirty="0"/>
-              <a:t>(</a:t>
-            </a:r>
-            <a:r>
-              <a:rPr lang="zh-TW" altLang="en-US" dirty="0"/>
-              <a:t>報名權</a:t>
-            </a:r>
-            <a:r>
-              <a:rPr lang="en-US" altLang="zh-TW" dirty="0"/>
-              <a:t>)</a:t>
-            </a:r>
-          </a:p>
-          <a:p>
-            <a:endParaRPr lang="en-US" altLang="zh-TW" dirty="0"/>
-          </a:p>
-          <a:p>
-            <a:endParaRPr lang="en-US" altLang="zh-TW" dirty="0"/>
+              <a:t>活動</a:t>
+            </a:r>
           </a:p>
         </p:txBody>
       </p:sp>
     </p:spTree>
     <p:extLst>
       <p:ext uri="{BB962C8B-B14F-4D97-AF65-F5344CB8AC3E}">
-        <p14:creationId xmlns:p14="http://schemas.microsoft.com/office/powerpoint/2010/main" val="385906202"/>
+        <p14:creationId xmlns:p14="http://schemas.microsoft.com/office/powerpoint/2010/main" val="3506831357"/>
       </p:ext>
     </p:extLst>
   </p:cSld>
@@ -11415,7 +11450,7 @@
           <p:cNvPr id="2" name="標題 1">
             <a:extLst>
               <a:ext uri="{FF2B5EF4-FFF2-40B4-BE49-F238E27FC236}">
-                <a16:creationId xmlns:a16="http://schemas.microsoft.com/office/drawing/2014/main" id="{4DE388DB-4537-4A27-9642-7150C811EAC3}"/>
+                <a16:creationId xmlns:a16="http://schemas.microsoft.com/office/drawing/2014/main" id="{3930E9D2-DB71-447B-948B-5D88F00DACA3}"/>
               </a:ext>
             </a:extLst>
           </p:cNvPr>
@@ -11431,31 +11466,7 @@
           <a:bodyPr/>
           <a:lstStyle/>
           <a:p>
-            <a:r>
-              <a:rPr lang="zh-TW" altLang="en-US" dirty="0"/>
-              <a:t>如何搜尋 </a:t>
-            </a:r>
-            <a:r>
-              <a:rPr lang="en-US" altLang="zh-TW" dirty="0"/>
-              <a:t>–</a:t>
-            </a:r>
-            <a:r>
-              <a:rPr lang="zh-TW" altLang="en-US" dirty="0"/>
-              <a:t> 根據</a:t>
-            </a:r>
-            <a:r>
-              <a:rPr lang="en-US" altLang="zh-TW" dirty="0"/>
-              <a:t>(</a:t>
-            </a:r>
-            <a:r>
-              <a:rPr lang="zh-TW" altLang="en-US" dirty="0"/>
-              <a:t>按鈕</a:t>
-            </a:r>
-            <a:r>
-              <a:rPr lang="en-US" altLang="zh-TW" dirty="0"/>
-              <a:t>)</a:t>
-            </a:r>
-            <a:endParaRPr lang="zh-TW" altLang="en-US" dirty="0"/>
+            <a:endParaRPr lang="zh-TW" altLang="en-US"/>
           </a:p>
         </p:txBody>
       </p:sp>
@@ -11464,7 +11475,7 @@
           <p:cNvPr id="3" name="內容版面配置區 2">
             <a:extLst>
               <a:ext uri="{FF2B5EF4-FFF2-40B4-BE49-F238E27FC236}">
-                <a16:creationId xmlns:a16="http://schemas.microsoft.com/office/drawing/2014/main" id="{E7912B7A-C656-453C-A048-69FC100D70D9}"/>
+                <a16:creationId xmlns:a16="http://schemas.microsoft.com/office/drawing/2014/main" id="{59CD18E6-BB6B-4CC9-875E-6160ED8F5021}"/>
               </a:ext>
             </a:extLst>
           </p:cNvPr>
@@ -11482,29 +11493,91 @@
           <a:p>
             <a:r>
               <a:rPr lang="zh-TW" altLang="en-US" dirty="0"/>
-              <a:t>地區</a:t>
+              <a:t>教練</a:t>
+            </a:r>
+            <a:r>
+              <a:rPr lang="en-US" altLang="zh-TW" dirty="0"/>
+              <a:t>: </a:t>
+            </a:r>
+            <a:r>
+              <a:rPr lang="zh-TW" altLang="en-US" dirty="0"/>
+              <a:t>可以看到人員名單、電話</a:t>
             </a:r>
             <a:endParaRPr lang="en-US" altLang="zh-TW" dirty="0"/>
           </a:p>
           <a:p>
             <a:r>
               <a:rPr lang="zh-TW" altLang="en-US" dirty="0"/>
-              <a:t>時間</a:t>
-            </a:r>
+              <a:t>會員</a:t>
+            </a:r>
+            <a:r>
+              <a:rPr lang="en-US" altLang="zh-TW" dirty="0"/>
+              <a:t>:</a:t>
+            </a:r>
+            <a:r>
+              <a:rPr lang="zh-TW" altLang="en-US" dirty="0"/>
+              <a:t> 要打勾</a:t>
+            </a:r>
+            <a:r>
+              <a:rPr lang="en-US" altLang="zh-TW" dirty="0"/>
+              <a:t>(</a:t>
+            </a:r>
+            <a:r>
+              <a:rPr lang="zh-TW" altLang="en-US" dirty="0"/>
+              <a:t>時間、地點、注意事項</a:t>
+            </a:r>
+            <a:r>
+              <a:rPr lang="en-US" altLang="zh-TW" dirty="0"/>
+              <a:t>—</a:t>
+            </a:r>
+            <a:r>
+              <a:rPr lang="zh-TW" altLang="en-US" dirty="0"/>
+              <a:t>教練填寫</a:t>
+            </a:r>
+            <a:r>
+              <a:rPr lang="en-US" altLang="zh-TW" dirty="0"/>
+              <a:t>)—</a:t>
+            </a:r>
+            <a:r>
+              <a:rPr lang="zh-TW" altLang="en-US" dirty="0"/>
+              <a:t>我已了解</a:t>
+            </a:r>
+            <a:r>
+              <a:rPr lang="en-US" altLang="zh-TW" dirty="0"/>
+              <a:t>…</a:t>
+            </a:r>
+            <a:br>
+              <a:rPr lang="en-US" altLang="zh-TW" dirty="0"/>
+            </a:br>
+            <a:r>
+              <a:rPr lang="zh-TW" altLang="en-US" dirty="0"/>
+              <a:t>、報名數量上限、未到停權</a:t>
+            </a:r>
+            <a:r>
+              <a:rPr lang="en-US" altLang="zh-TW" dirty="0"/>
+              <a:t>(</a:t>
+            </a:r>
+            <a:r>
+              <a:rPr lang="zh-TW" altLang="en-US" dirty="0"/>
+              <a:t>報名權</a:t>
+            </a:r>
+            <a:r>
+              <a:rPr lang="en-US" altLang="zh-TW" dirty="0"/>
+              <a:t>)</a:t>
+            </a:r>
+          </a:p>
+          <a:p>
             <a:endParaRPr lang="en-US" altLang="zh-TW" dirty="0"/>
           </a:p>
           <a:p>
-            <a:r>
-              <a:rPr lang="zh-TW" altLang="en-US" dirty="0"/>
-              <a:t>房間</a:t>
-            </a:r>
+            <a:endParaRPr lang="en-US" altLang="zh-TW" dirty="0"/>
           </a:p>
         </p:txBody>
       </p:sp>
     </p:spTree>
     <p:extLst>
       <p:ext uri="{BB962C8B-B14F-4D97-AF65-F5344CB8AC3E}">
-        <p14:creationId xmlns:p14="http://schemas.microsoft.com/office/powerpoint/2010/main" val="3471917794"/>
+        <p14:creationId xmlns:p14="http://schemas.microsoft.com/office/powerpoint/2010/main" val="385906202"/>
       </p:ext>
     </p:extLst>
   </p:cSld>
@@ -11536,7 +11609,7 @@
           <p:cNvPr id="2" name="標題 1">
             <a:extLst>
               <a:ext uri="{FF2B5EF4-FFF2-40B4-BE49-F238E27FC236}">
-                <a16:creationId xmlns:a16="http://schemas.microsoft.com/office/drawing/2014/main" id="{A0206905-F15F-4206-82A2-4D4C23A31A24}"/>
+                <a16:creationId xmlns:a16="http://schemas.microsoft.com/office/drawing/2014/main" id="{4DE388DB-4537-4A27-9642-7150C811EAC3}"/>
               </a:ext>
             </a:extLst>
           </p:cNvPr>
@@ -11554,47 +11627,78 @@
           <a:p>
             <a:r>
               <a:rPr lang="zh-TW" altLang="en-US" dirty="0"/>
-              <a:t>主要搜尋頁面資訊</a:t>
-            </a:r>
-          </a:p>
-        </p:txBody>
-      </p:sp>
-      <p:pic>
-        <p:nvPicPr>
-          <p:cNvPr id="4" name="內容版面配置區 3">
-            <a:extLst>
-              <a:ext uri="{FF2B5EF4-FFF2-40B4-BE49-F238E27FC236}">
-                <a16:creationId xmlns:a16="http://schemas.microsoft.com/office/drawing/2014/main" id="{30AE3310-D37B-4702-BAD1-FB10172C014C}"/>
-              </a:ext>
-            </a:extLst>
-          </p:cNvPr>
-          <p:cNvPicPr>
-            <a:picLocks noGrp="1" noChangeAspect="1"/>
-          </p:cNvPicPr>
+              <a:t>如何搜尋 </a:t>
+            </a:r>
+            <a:r>
+              <a:rPr lang="en-US" altLang="zh-TW" dirty="0"/>
+              <a:t>–</a:t>
+            </a:r>
+            <a:r>
+              <a:rPr lang="zh-TW" altLang="en-US" dirty="0"/>
+              <a:t> 根據</a:t>
+            </a:r>
+            <a:r>
+              <a:rPr lang="en-US" altLang="zh-TW" dirty="0"/>
+              <a:t>(</a:t>
+            </a:r>
+            <a:r>
+              <a:rPr lang="zh-TW" altLang="en-US" dirty="0"/>
+              <a:t>按鈕</a:t>
+            </a:r>
+            <a:r>
+              <a:rPr lang="en-US" altLang="zh-TW" dirty="0"/>
+              <a:t>)</a:t>
+            </a:r>
+            <a:endParaRPr lang="zh-TW" altLang="en-US" dirty="0"/>
+          </a:p>
+        </p:txBody>
+      </p:sp>
+      <p:sp>
+        <p:nvSpPr>
+          <p:cNvPr id="3" name="內容版面配置區 2">
+            <a:extLst>
+              <a:ext uri="{FF2B5EF4-FFF2-40B4-BE49-F238E27FC236}">
+                <a16:creationId xmlns:a16="http://schemas.microsoft.com/office/drawing/2014/main" id="{E7912B7A-C656-453C-A048-69FC100D70D9}"/>
+              </a:ext>
+            </a:extLst>
+          </p:cNvPr>
+          <p:cNvSpPr>
+            <a:spLocks noGrp="1"/>
+          </p:cNvSpPr>
           <p:nvPr>
             <p:ph idx="1"/>
           </p:nvPr>
-        </p:nvPicPr>
-        <p:blipFill>
-          <a:blip r:embed="rId2"/>
-          <a:stretch>
-            <a:fillRect/>
-          </a:stretch>
-        </p:blipFill>
-        <p:spPr>
-          <a:xfrm>
-            <a:off x="2409835" y="1825625"/>
-            <a:ext cx="7372330" cy="4351338"/>
-          </a:xfrm>
-          <a:prstGeom prst="rect">
-            <a:avLst/>
-          </a:prstGeom>
-        </p:spPr>
-      </p:pic>
+        </p:nvSpPr>
+        <p:spPr/>
+        <p:txBody>
+          <a:bodyPr/>
+          <a:lstStyle/>
+          <a:p>
+            <a:r>
+              <a:rPr lang="zh-TW" altLang="en-US" dirty="0"/>
+              <a:t>地區</a:t>
+            </a:r>
+            <a:endParaRPr lang="en-US" altLang="zh-TW" dirty="0"/>
+          </a:p>
+          <a:p>
+            <a:r>
+              <a:rPr lang="zh-TW" altLang="en-US" dirty="0"/>
+              <a:t>時間</a:t>
+            </a:r>
+            <a:endParaRPr lang="en-US" altLang="zh-TW" dirty="0"/>
+          </a:p>
+          <a:p>
+            <a:r>
+              <a:rPr lang="zh-TW" altLang="en-US" dirty="0"/>
+              <a:t>房間</a:t>
+            </a:r>
+          </a:p>
+        </p:txBody>
+      </p:sp>
     </p:spTree>
     <p:extLst>
       <p:ext uri="{BB962C8B-B14F-4D97-AF65-F5344CB8AC3E}">
-        <p14:creationId xmlns:p14="http://schemas.microsoft.com/office/powerpoint/2010/main" val="1203680226"/>
+        <p14:creationId xmlns:p14="http://schemas.microsoft.com/office/powerpoint/2010/main" val="3471917794"/>
       </p:ext>
     </p:extLst>
   </p:cSld>
